--- a/JanurayPres.pptx
+++ b/JanurayPres.pptx
@@ -107,7 +107,175 @@
       </a:defRPr>
     </a:lvl9pPr>
   </p:defaultTextStyle>
+  <p:extLst>
+    <p:ext uri="{EFAFB233-063F-42B5-8137-9DF3F51BA10A}">
+      <p15:sldGuideLst xmlns:p15="http://schemas.microsoft.com/office/powerpoint/2012/main"/>
+    </p:ext>
+  </p:extLst>
 </p:presentation>
+</file>
+
+<file path=ppt/revisionInfo.xml><?xml version="1.0" encoding="utf-8"?>
+<p1510:revInfo xmlns:a="http://schemas.openxmlformats.org/drawingml/2006/main" xmlns:r="http://schemas.openxmlformats.org/officeDocument/2006/relationships" xmlns:p1510="http://schemas.microsoft.com/office/powerpoint/2015/10/main">
+  <p1510:revLst>
+    <p1510:client id="{AC1C9E13-85DE-4BFA-96CF-4AD01C8D7256}" v="8" dt="2026-01-20T15:36:13.496"/>
+  </p1510:revLst>
+</p1510:revInfo>
+</file>
+
+<file path=ppt/changesInfos/changesInfo1.xml><?xml version="1.0" encoding="utf-8"?>
+<pc:chgInfo xmlns:a="http://schemas.openxmlformats.org/drawingml/2006/main" xmlns:r="http://schemas.openxmlformats.org/officeDocument/2006/relationships" xmlns:ac="http://schemas.microsoft.com/office/drawing/2013/main/command" xmlns:pc="http://schemas.microsoft.com/office/powerpoint/2013/main/command">
+  <pc:docChgLst>
+    <pc:chgData name="Marcel Venturotti" userId="cc4eeaee7801a214" providerId="LiveId" clId="{6831EF95-E991-46C6-B43C-F2A64614F578}"/>
+    <pc:docChg chg="undo custSel modSld">
+      <pc:chgData name="Marcel Venturotti" userId="cc4eeaee7801a214" providerId="LiveId" clId="{6831EF95-E991-46C6-B43C-F2A64614F578}" dt="2026-01-20T15:36:27.639" v="142" actId="1076"/>
+      <pc:docMkLst>
+        <pc:docMk/>
+      </pc:docMkLst>
+      <pc:sldChg chg="addSp delSp modSp mod">
+        <pc:chgData name="Marcel Venturotti" userId="cc4eeaee7801a214" providerId="LiveId" clId="{6831EF95-E991-46C6-B43C-F2A64614F578}" dt="2026-01-20T15:36:27.639" v="142" actId="1076"/>
+        <pc:sldMkLst>
+          <pc:docMk/>
+          <pc:sldMk cId="254998037" sldId="256"/>
+        </pc:sldMkLst>
+        <pc:spChg chg="add del mod">
+          <ac:chgData name="Marcel Venturotti" userId="cc4eeaee7801a214" providerId="LiveId" clId="{6831EF95-E991-46C6-B43C-F2A64614F578}" dt="2026-01-20T15:18:50.685" v="136" actId="20577"/>
+          <ac:spMkLst>
+            <pc:docMk/>
+            <pc:sldMk cId="254998037" sldId="256"/>
+            <ac:spMk id="6" creationId="{AFFF4ED6-0406-A59D-8B1F-539E60FD4ACD}"/>
+          </ac:spMkLst>
+        </pc:spChg>
+        <pc:picChg chg="add mod">
+          <ac:chgData name="Marcel Venturotti" userId="cc4eeaee7801a214" providerId="LiveId" clId="{6831EF95-E991-46C6-B43C-F2A64614F578}" dt="2026-01-20T15:05:55.739" v="87" actId="931"/>
+          <ac:picMkLst>
+            <pc:docMk/>
+            <pc:sldMk cId="254998037" sldId="256"/>
+            <ac:picMk id="3" creationId="{23322112-6DE9-FF3F-2F1F-4FABB15DB750}"/>
+          </ac:picMkLst>
+        </pc:picChg>
+        <pc:picChg chg="add del">
+          <ac:chgData name="Marcel Venturotti" userId="cc4eeaee7801a214" providerId="LiveId" clId="{6831EF95-E991-46C6-B43C-F2A64614F578}" dt="2026-01-20T15:06:10.022" v="91" actId="478"/>
+          <ac:picMkLst>
+            <pc:docMk/>
+            <pc:sldMk cId="254998037" sldId="256"/>
+            <ac:picMk id="5" creationId="{8B67F2B0-3952-E38C-92C9-2D24126CF87C}"/>
+          </ac:picMkLst>
+        </pc:picChg>
+        <pc:picChg chg="add del mod modCrop">
+          <ac:chgData name="Marcel Venturotti" userId="cc4eeaee7801a214" providerId="LiveId" clId="{6831EF95-E991-46C6-B43C-F2A64614F578}" dt="2026-01-20T15:18:19.568" v="127" actId="478"/>
+          <ac:picMkLst>
+            <pc:docMk/>
+            <pc:sldMk cId="254998037" sldId="256"/>
+            <ac:picMk id="7" creationId="{51C16DDF-A90A-0B41-0C51-6E2CC4AFFB3B}"/>
+          </ac:picMkLst>
+        </pc:picChg>
+        <pc:picChg chg="add mod">
+          <ac:chgData name="Marcel Venturotti" userId="cc4eeaee7801a214" providerId="LiveId" clId="{6831EF95-E991-46C6-B43C-F2A64614F578}" dt="2026-01-20T15:08:08.632" v="121" actId="1076"/>
+          <ac:picMkLst>
+            <pc:docMk/>
+            <pc:sldMk cId="254998037" sldId="256"/>
+            <ac:picMk id="9" creationId="{CF1264A1-21AF-F914-7F21-1EFAC2E79D5B}"/>
+          </ac:picMkLst>
+        </pc:picChg>
+        <pc:picChg chg="add del mod modCrop">
+          <ac:chgData name="Marcel Venturotti" userId="cc4eeaee7801a214" providerId="LiveId" clId="{6831EF95-E991-46C6-B43C-F2A64614F578}" dt="2026-01-20T15:36:06.310" v="137" actId="478"/>
+          <ac:picMkLst>
+            <pc:docMk/>
+            <pc:sldMk cId="254998037" sldId="256"/>
+            <ac:picMk id="11" creationId="{C15DBED6-0B21-F5F5-F6EF-45A2A4E93888}"/>
+          </ac:picMkLst>
+        </pc:picChg>
+        <pc:picChg chg="add mod modCrop">
+          <ac:chgData name="Marcel Venturotti" userId="cc4eeaee7801a214" providerId="LiveId" clId="{6831EF95-E991-46C6-B43C-F2A64614F578}" dt="2026-01-20T15:36:27.639" v="142" actId="1076"/>
+          <ac:picMkLst>
+            <pc:docMk/>
+            <pc:sldMk cId="254998037" sldId="256"/>
+            <ac:picMk id="13" creationId="{1A136013-D6A8-5110-34E9-D50AA58075CB}"/>
+          </ac:picMkLst>
+        </pc:picChg>
+      </pc:sldChg>
+      <pc:sldChg chg="addSp delSp modSp mod">
+        <pc:chgData name="Marcel Venturotti" userId="cc4eeaee7801a214" providerId="LiveId" clId="{6831EF95-E991-46C6-B43C-F2A64614F578}" dt="2026-01-20T15:04:08.760" v="7" actId="27636"/>
+        <pc:sldMkLst>
+          <pc:docMk/>
+          <pc:sldMk cId="1722487634" sldId="257"/>
+        </pc:sldMkLst>
+        <pc:spChg chg="mod">
+          <ac:chgData name="Marcel Venturotti" userId="cc4eeaee7801a214" providerId="LiveId" clId="{6831EF95-E991-46C6-B43C-F2A64614F578}" dt="2026-01-20T15:04:08.760" v="7" actId="27636"/>
+          <ac:spMkLst>
+            <pc:docMk/>
+            <pc:sldMk cId="1722487634" sldId="257"/>
+            <ac:spMk id="2" creationId="{5B6A7668-8E12-6F14-75A1-20D7A9B3E6D2}"/>
+          </ac:spMkLst>
+        </pc:spChg>
+        <pc:spChg chg="del">
+          <ac:chgData name="Marcel Venturotti" userId="cc4eeaee7801a214" providerId="LiveId" clId="{6831EF95-E991-46C6-B43C-F2A64614F578}" dt="2026-01-20T15:04:00.091" v="3" actId="26606"/>
+          <ac:spMkLst>
+            <pc:docMk/>
+            <pc:sldMk cId="1722487634" sldId="257"/>
+            <ac:spMk id="12" creationId="{99ED5833-B85B-4103-8A3B-CAB0308E6C15}"/>
+          </ac:spMkLst>
+        </pc:spChg>
+        <pc:spChg chg="add">
+          <ac:chgData name="Marcel Venturotti" userId="cc4eeaee7801a214" providerId="LiveId" clId="{6831EF95-E991-46C6-B43C-F2A64614F578}" dt="2026-01-20T15:04:00.091" v="3" actId="26606"/>
+          <ac:spMkLst>
+            <pc:docMk/>
+            <pc:sldMk cId="1722487634" sldId="257"/>
+            <ac:spMk id="17" creationId="{99ED5833-B85B-4103-8A3B-CAB0308E6C15}"/>
+          </ac:spMkLst>
+        </pc:spChg>
+        <pc:picChg chg="add mod ord">
+          <ac:chgData name="Marcel Venturotti" userId="cc4eeaee7801a214" providerId="LiveId" clId="{6831EF95-E991-46C6-B43C-F2A64614F578}" dt="2026-01-20T15:04:00.091" v="3" actId="26606"/>
+          <ac:picMkLst>
+            <pc:docMk/>
+            <pc:sldMk cId="1722487634" sldId="257"/>
+            <ac:picMk id="4" creationId="{131F974D-AB71-F1EA-C02E-655D56132AAE}"/>
+          </ac:picMkLst>
+        </pc:picChg>
+        <pc:picChg chg="del">
+          <ac:chgData name="Marcel Venturotti" userId="cc4eeaee7801a214" providerId="LiveId" clId="{6831EF95-E991-46C6-B43C-F2A64614F578}" dt="2026-01-20T15:03:40.119" v="1" actId="478"/>
+          <ac:picMkLst>
+            <pc:docMk/>
+            <pc:sldMk cId="1722487634" sldId="257"/>
+            <ac:picMk id="5" creationId="{8AE2F251-04C0-90B3-886A-2E42344B9009}"/>
+          </ac:picMkLst>
+        </pc:picChg>
+        <pc:picChg chg="del">
+          <ac:chgData name="Marcel Venturotti" userId="cc4eeaee7801a214" providerId="LiveId" clId="{6831EF95-E991-46C6-B43C-F2A64614F578}" dt="2026-01-20T15:03:39.777" v="0" actId="478"/>
+          <ac:picMkLst>
+            <pc:docMk/>
+            <pc:sldMk cId="1722487634" sldId="257"/>
+            <ac:picMk id="7" creationId="{941F1D7D-B834-A688-9C27-AC342D288425}"/>
+          </ac:picMkLst>
+        </pc:picChg>
+        <pc:picChg chg="add mod">
+          <ac:chgData name="Marcel Venturotti" userId="cc4eeaee7801a214" providerId="LiveId" clId="{6831EF95-E991-46C6-B43C-F2A64614F578}" dt="2026-01-20T15:04:00.091" v="3" actId="26606"/>
+          <ac:picMkLst>
+            <pc:docMk/>
+            <pc:sldMk cId="1722487634" sldId="257"/>
+            <ac:picMk id="8" creationId="{F4489FD6-E722-DFAB-800A-BFD36BA87AD2}"/>
+          </ac:picMkLst>
+        </pc:picChg>
+      </pc:sldChg>
+      <pc:sldChg chg="modSp mod">
+        <pc:chgData name="Marcel Venturotti" userId="cc4eeaee7801a214" providerId="LiveId" clId="{6831EF95-E991-46C6-B43C-F2A64614F578}" dt="2026-01-20T15:05:42.570" v="83" actId="20577"/>
+        <pc:sldMkLst>
+          <pc:docMk/>
+          <pc:sldMk cId="4260151262" sldId="259"/>
+        </pc:sldMkLst>
+        <pc:spChg chg="mod">
+          <ac:chgData name="Marcel Venturotti" userId="cc4eeaee7801a214" providerId="LiveId" clId="{6831EF95-E991-46C6-B43C-F2A64614F578}" dt="2026-01-20T15:05:42.570" v="83" actId="20577"/>
+          <ac:spMkLst>
+            <pc:docMk/>
+            <pc:sldMk cId="4260151262" sldId="259"/>
+            <ac:spMk id="3" creationId="{92305005-3759-BAEA-485A-CF4275AA323F}"/>
+          </ac:spMkLst>
+        </pc:spChg>
+      </pc:sldChg>
+    </pc:docChg>
+  </pc:docChgLst>
+</pc:chgInfo>
 </file>
 
 <file path=ppt/slideLayouts/slideLayout1.xml><?xml version="1.0" encoding="utf-8"?>
@@ -3345,12 +3513,93 @@
           <a:chExt cx="0" cy="0"/>
         </a:xfrm>
       </p:grpSpPr>
+      <p:sp>
+        <p:nvSpPr>
+          <p:cNvPr id="6" name="TextBox 5">
+            <a:extLst>
+              <a:ext uri="{FF2B5EF4-FFF2-40B4-BE49-F238E27FC236}">
+                <a16:creationId xmlns:a16="http://schemas.microsoft.com/office/drawing/2014/main" id="{AFFF4ED6-0406-A59D-8B1F-539E60FD4ACD}"/>
+              </a:ext>
+            </a:extLst>
+          </p:cNvPr>
+          <p:cNvSpPr txBox="1"/>
+          <p:nvPr/>
+        </p:nvSpPr>
+        <p:spPr>
+          <a:xfrm>
+            <a:off x="8705088" y="1582340"/>
+            <a:ext cx="3167482" cy="2585323"/>
+          </a:xfrm>
+          <a:prstGeom prst="rect">
+            <a:avLst/>
+          </a:prstGeom>
+          <a:noFill/>
+        </p:spPr>
+        <p:txBody>
+          <a:bodyPr wrap="square" rtlCol="0">
+            <a:spAutoFit/>
+          </a:bodyPr>
+          <a:lstStyle/>
+          <a:p>
+            <a:pPr marL="285750" indent="-285750">
+              <a:buFontTx/>
+              <a:buChar char="-"/>
+            </a:pPr>
+            <a:r>
+              <a:rPr lang="en-GB" dirty="0"/>
+              <a:t>256x256 images</a:t>
+            </a:r>
+          </a:p>
+          <a:p>
+            <a:pPr marL="285750" indent="-285750">
+              <a:buFontTx/>
+              <a:buChar char="-"/>
+            </a:pPr>
+            <a:r>
+              <a:rPr lang="en-GB" dirty="0"/>
+              <a:t>3 channels, </a:t>
+            </a:r>
+          </a:p>
+          <a:p>
+            <a:pPr marL="285750" indent="-285750">
+              <a:buFontTx/>
+              <a:buChar char="-"/>
+            </a:pPr>
+            <a:r>
+              <a:rPr lang="pl-PL" dirty="0"/>
+              <a:t>B/I/H (F438W, F814W, F160W)</a:t>
+            </a:r>
+            <a:r>
+              <a:rPr lang="en-GB" dirty="0"/>
+              <a:t>, commonly used in astrophotography to capture radiation</a:t>
+            </a:r>
+          </a:p>
+          <a:p>
+            <a:pPr marL="285750" indent="-285750">
+              <a:buFontTx/>
+              <a:buChar char="-"/>
+            </a:pPr>
+            <a:r>
+              <a:rPr lang="en-GB" dirty="0"/>
+              <a:t>Channels are pre-processed so the galaxy is </a:t>
+            </a:r>
+            <a:r>
+              <a:rPr lang="en-GB" dirty="0" err="1"/>
+              <a:t>centered</a:t>
+            </a:r>
+            <a:r>
+              <a:rPr lang="en-GB" dirty="0"/>
+              <a:t>, log-scaled</a:t>
+            </a:r>
+          </a:p>
+        </p:txBody>
+      </p:sp>
       <p:pic>
         <p:nvPicPr>
-          <p:cNvPr id="5" name="Picture 4">
-            <a:extLst>
-              <a:ext uri="{FF2B5EF4-FFF2-40B4-BE49-F238E27FC236}">
-                <a16:creationId xmlns:a16="http://schemas.microsoft.com/office/drawing/2014/main" id="{8B67F2B0-3952-E38C-92C9-2D24126CF87C}"/>
+          <p:cNvPr id="9" name="Picture 8">
+            <a:extLst>
+              <a:ext uri="{FF2B5EF4-FFF2-40B4-BE49-F238E27FC236}">
+                <a16:creationId xmlns:a16="http://schemas.microsoft.com/office/drawing/2014/main" id="{CF1264A1-21AF-F914-7F21-1EFAC2E79D5B}"/>
               </a:ext>
             </a:extLst>
           </p:cNvPr>
@@ -3373,81 +3622,51 @@
         </p:blipFill>
         <p:spPr>
           <a:xfrm>
-            <a:off x="0" y="42062"/>
-            <a:ext cx="9144018" cy="6400813"/>
+            <a:off x="1875121" y="3248557"/>
+            <a:ext cx="4840233" cy="3388164"/>
           </a:xfrm>
           <a:prstGeom prst="rect">
             <a:avLst/>
           </a:prstGeom>
         </p:spPr>
       </p:pic>
-      <p:sp>
-        <p:nvSpPr>
-          <p:cNvPr id="6" name="TextBox 5">
-            <a:extLst>
-              <a:ext uri="{FF2B5EF4-FFF2-40B4-BE49-F238E27FC236}">
-                <a16:creationId xmlns:a16="http://schemas.microsoft.com/office/drawing/2014/main" id="{AFFF4ED6-0406-A59D-8B1F-539E60FD4ACD}"/>
-              </a:ext>
-            </a:extLst>
-          </p:cNvPr>
-          <p:cNvSpPr txBox="1"/>
+      <p:pic>
+        <p:nvPicPr>
+          <p:cNvPr id="13" name="Picture 12">
+            <a:extLst>
+              <a:ext uri="{FF2B5EF4-FFF2-40B4-BE49-F238E27FC236}">
+                <a16:creationId xmlns:a16="http://schemas.microsoft.com/office/drawing/2014/main" id="{1A136013-D6A8-5110-34E9-D50AA58075CB}"/>
+              </a:ext>
+            </a:extLst>
+          </p:cNvPr>
+          <p:cNvPicPr>
+            <a:picLocks noChangeAspect="1"/>
+          </p:cNvPicPr>
           <p:nvPr/>
-        </p:nvSpPr>
+        </p:nvPicPr>
+        <p:blipFill>
+          <a:blip r:embed="rId3">
+            <a:extLst>
+              <a:ext uri="{28A0092B-C50C-407E-A947-70E740481C1C}">
+                <a14:useLocalDpi xmlns:a14="http://schemas.microsoft.com/office/drawing/2010/main" val="0"/>
+              </a:ext>
+            </a:extLst>
+          </a:blip>
+          <a:srcRect t="31514" b="31686"/>
+          <a:stretch>
+            <a:fillRect/>
+          </a:stretch>
+        </p:blipFill>
         <p:spPr>
           <a:xfrm>
-            <a:off x="8705088" y="1582340"/>
-            <a:ext cx="3167482" cy="3693319"/>
+            <a:off x="602276" y="724205"/>
+            <a:ext cx="7488335" cy="1928992"/>
           </a:xfrm>
           <a:prstGeom prst="rect">
             <a:avLst/>
           </a:prstGeom>
-          <a:noFill/>
         </p:spPr>
-        <p:txBody>
-          <a:bodyPr wrap="square" rtlCol="0">
-            <a:spAutoFit/>
-          </a:bodyPr>
-          <a:lstStyle/>
-          <a:p>
-            <a:pPr marL="285750" indent="-285750">
-              <a:buFontTx/>
-              <a:buChar char="-"/>
-            </a:pPr>
-            <a:r>
-              <a:rPr lang="en-GB" dirty="0"/>
-              <a:t>36x36 images cropped to 32x32 to avoid padding and alignment issues</a:t>
-            </a:r>
-          </a:p>
-          <a:p>
-            <a:pPr marL="285750" indent="-285750">
-              <a:buFontTx/>
-              <a:buChar char="-"/>
-            </a:pPr>
-            <a:r>
-              <a:rPr lang="en-GB" dirty="0"/>
-              <a:t>3 channels, GRI, commonly used in astrophotography to capture radiation</a:t>
-            </a:r>
-          </a:p>
-          <a:p>
-            <a:pPr marL="285750" indent="-285750">
-              <a:buFontTx/>
-              <a:buChar char="-"/>
-            </a:pPr>
-            <a:r>
-              <a:rPr lang="en-GB" dirty="0"/>
-              <a:t>Channels are pre-processed so the galaxy is </a:t>
-            </a:r>
-            <a:r>
-              <a:rPr lang="en-GB" dirty="0" err="1"/>
-              <a:t>centered</a:t>
-            </a:r>
-            <a:r>
-              <a:rPr lang="en-GB" dirty="0"/>
-              <a:t>, log-scaled and 1% of brightest pixels saturated to bring out the relevant features</a:t>
-            </a:r>
-          </a:p>
-        </p:txBody>
-      </p:sp>
+      </p:pic>
     </p:spTree>
     <p:extLst>
       <p:ext uri="{BB962C8B-B14F-4D97-AF65-F5344CB8AC3E}">
@@ -3488,7 +3707,7 @@
       </p:grpSpPr>
       <p:sp useBgFill="1">
         <p:nvSpPr>
-          <p:cNvPr id="12" name="Rectangle 11">
+          <p:cNvPr id="17" name="Rectangle 16">
             <a:extLst>
               <a:ext uri="{FF2B5EF4-FFF2-40B4-BE49-F238E27FC236}">
                 <a16:creationId xmlns:a16="http://schemas.microsoft.com/office/drawing/2014/main" id="{99ED5833-B85B-4103-8A3B-CAB0308E6C15}"/>
@@ -3565,7 +3784,7 @@
         <p:spPr>
           <a:xfrm>
             <a:off x="838200" y="365125"/>
-            <a:ext cx="10515600" cy="541960"/>
+            <a:ext cx="10515600" cy="1288110"/>
           </a:xfrm>
         </p:spPr>
         <p:txBody>
@@ -3575,7 +3794,7 @@
           <a:lstStyle/>
           <a:p>
             <a:r>
-              <a:rPr lang="en-US" sz="2000" kern="1200" dirty="0">
+              <a:rPr lang="en-US" sz="3200" kern="1200" dirty="0">
                 <a:solidFill>
                   <a:schemeClr val="tx1"/>
                 </a:solidFill>
@@ -3590,10 +3809,10 @@
       </p:sp>
       <p:pic>
         <p:nvPicPr>
-          <p:cNvPr id="7" name="Picture 6">
-            <a:extLst>
-              <a:ext uri="{FF2B5EF4-FFF2-40B4-BE49-F238E27FC236}">
-                <a16:creationId xmlns:a16="http://schemas.microsoft.com/office/drawing/2014/main" id="{941F1D7D-B834-A688-9C27-AC342D288425}"/>
+          <p:cNvPr id="8" name="Picture 7">
+            <a:extLst>
+              <a:ext uri="{FF2B5EF4-FFF2-40B4-BE49-F238E27FC236}">
+                <a16:creationId xmlns:a16="http://schemas.microsoft.com/office/drawing/2014/main" id="{F4489FD6-E722-DFAB-800A-BFD36BA87AD2}"/>
               </a:ext>
             </a:extLst>
           </p:cNvPr>
@@ -3616,7 +3835,7 @@
         </p:blipFill>
         <p:spPr>
           <a:xfrm>
-            <a:off x="1426955" y="1765031"/>
+            <a:off x="1125986" y="2365285"/>
             <a:ext cx="3938756" cy="3938756"/>
           </a:xfrm>
           <a:prstGeom prst="rect">
@@ -3626,10 +3845,10 @@
       </p:pic>
       <p:pic>
         <p:nvPicPr>
-          <p:cNvPr id="5" name="Picture 4">
-            <a:extLst>
-              <a:ext uri="{FF2B5EF4-FFF2-40B4-BE49-F238E27FC236}">
-                <a16:creationId xmlns:a16="http://schemas.microsoft.com/office/drawing/2014/main" id="{8AE2F251-04C0-90B3-886A-2E42344B9009}"/>
+          <p:cNvPr id="4" name="Picture 3">
+            <a:extLst>
+              <a:ext uri="{FF2B5EF4-FFF2-40B4-BE49-F238E27FC236}">
+                <a16:creationId xmlns:a16="http://schemas.microsoft.com/office/drawing/2014/main" id="{131F974D-AB71-F1EA-C02E-655D56132AAE}"/>
               </a:ext>
             </a:extLst>
           </p:cNvPr>
@@ -3652,7 +3871,7 @@
         </p:blipFill>
         <p:spPr>
           <a:xfrm>
-            <a:off x="6383016" y="1611819"/>
+            <a:off x="6470798" y="2365285"/>
             <a:ext cx="5251675" cy="3938756"/>
           </a:xfrm>
           <a:prstGeom prst="rect">
@@ -4267,7 +4486,7 @@
             </a:pPr>
             <a:r>
               <a:rPr lang="en-GB" dirty="0"/>
-              <a:t>Currently around 74% accuracy, add </a:t>
+              <a:t>Add </a:t>
             </a:r>
             <a:r>
               <a:rPr lang="en-GB" dirty="0" err="1"/>
@@ -4275,7 +4494,7 @@
             </a:r>
             <a:r>
               <a:rPr lang="en-GB" dirty="0"/>
-              <a:t>/bicoherence features to account for correlation between wavelets to squeeze final 5ish% hopefully</a:t>
+              <a:t>/bicoherence features to account for coupling between maps</a:t>
             </a:r>
           </a:p>
           <a:p>

--- a/JanurayPres.pptx
+++ b/JanurayPres.pptx
@@ -118,7 +118,7 @@
 <file path=ppt/revisionInfo.xml><?xml version="1.0" encoding="utf-8"?>
 <p1510:revInfo xmlns:a="http://schemas.openxmlformats.org/drawingml/2006/main" xmlns:r="http://schemas.openxmlformats.org/officeDocument/2006/relationships" xmlns:p1510="http://schemas.microsoft.com/office/powerpoint/2015/10/main">
   <p1510:revLst>
-    <p1510:client id="{AC1C9E13-85DE-4BFA-96CF-4AD01C8D7256}" v="8" dt="2026-01-20T15:36:13.496"/>
+    <p1510:client id="{AC1C9E13-85DE-4BFA-96CF-4AD01C8D7256}" v="9" dt="2026-01-20T16:00:50.274"/>
   </p1510:revLst>
 </p1510:revInfo>
 </file>
@@ -128,18 +128,18 @@
   <pc:docChgLst>
     <pc:chgData name="Marcel Venturotti" userId="cc4eeaee7801a214" providerId="LiveId" clId="{6831EF95-E991-46C6-B43C-F2A64614F578}"/>
     <pc:docChg chg="undo custSel modSld">
-      <pc:chgData name="Marcel Venturotti" userId="cc4eeaee7801a214" providerId="LiveId" clId="{6831EF95-E991-46C6-B43C-F2A64614F578}" dt="2026-01-20T15:36:27.639" v="142" actId="1076"/>
+      <pc:chgData name="Marcel Venturotti" userId="cc4eeaee7801a214" providerId="LiveId" clId="{6831EF95-E991-46C6-B43C-F2A64614F578}" dt="2026-01-20T16:01:37.411" v="194" actId="20577"/>
       <pc:docMkLst>
         <pc:docMk/>
       </pc:docMkLst>
       <pc:sldChg chg="addSp delSp modSp mod">
-        <pc:chgData name="Marcel Venturotti" userId="cc4eeaee7801a214" providerId="LiveId" clId="{6831EF95-E991-46C6-B43C-F2A64614F578}" dt="2026-01-20T15:36:27.639" v="142" actId="1076"/>
+        <pc:chgData name="Marcel Venturotti" userId="cc4eeaee7801a214" providerId="LiveId" clId="{6831EF95-E991-46C6-B43C-F2A64614F578}" dt="2026-01-20T16:01:37.411" v="194" actId="20577"/>
         <pc:sldMkLst>
           <pc:docMk/>
           <pc:sldMk cId="254998037" sldId="256"/>
         </pc:sldMkLst>
         <pc:spChg chg="add del mod">
-          <ac:chgData name="Marcel Venturotti" userId="cc4eeaee7801a214" providerId="LiveId" clId="{6831EF95-E991-46C6-B43C-F2A64614F578}" dt="2026-01-20T15:18:50.685" v="136" actId="20577"/>
+          <ac:chgData name="Marcel Venturotti" userId="cc4eeaee7801a214" providerId="LiveId" clId="{6831EF95-E991-46C6-B43C-F2A64614F578}" dt="2026-01-20T16:01:37.411" v="194" actId="20577"/>
           <ac:spMkLst>
             <pc:docMk/>
             <pc:sldMk cId="254998037" sldId="256"/>
@@ -152,6 +152,14 @@
             <pc:docMk/>
             <pc:sldMk cId="254998037" sldId="256"/>
             <ac:picMk id="3" creationId="{23322112-6DE9-FF3F-2F1F-4FABB15DB750}"/>
+          </ac:picMkLst>
+        </pc:picChg>
+        <pc:picChg chg="add mod modCrop">
+          <ac:chgData name="Marcel Venturotti" userId="cc4eeaee7801a214" providerId="LiveId" clId="{6831EF95-E991-46C6-B43C-F2A64614F578}" dt="2026-01-20T16:01:05.790" v="148" actId="1076"/>
+          <ac:picMkLst>
+            <pc:docMk/>
+            <pc:sldMk cId="254998037" sldId="256"/>
+            <ac:picMk id="3" creationId="{65E380C5-0583-CA5D-24DC-263903A8311A}"/>
           </ac:picMkLst>
         </pc:picChg>
         <pc:picChg chg="add del">
@@ -186,8 +194,8 @@
             <ac:picMk id="11" creationId="{C15DBED6-0B21-F5F5-F6EF-45A2A4E93888}"/>
           </ac:picMkLst>
         </pc:picChg>
-        <pc:picChg chg="add mod modCrop">
-          <ac:chgData name="Marcel Venturotti" userId="cc4eeaee7801a214" providerId="LiveId" clId="{6831EF95-E991-46C6-B43C-F2A64614F578}" dt="2026-01-20T15:36:27.639" v="142" actId="1076"/>
+        <pc:picChg chg="add del mod modCrop">
+          <ac:chgData name="Marcel Venturotti" userId="cc4eeaee7801a214" providerId="LiveId" clId="{6831EF95-E991-46C6-B43C-F2A64614F578}" dt="2026-01-20T16:00:42.222" v="143" actId="478"/>
           <ac:picMkLst>
             <pc:docMk/>
             <pc:sldMk cId="254998037" sldId="256"/>
@@ -3557,7 +3565,15 @@
             </a:pPr>
             <a:r>
               <a:rPr lang="en-GB" dirty="0"/>
-              <a:t>3 channels, </a:t>
+              <a:t>3 </a:t>
+            </a:r>
+            <a:r>
+              <a:rPr lang="en-GB"/>
+              <a:t>projections containing</a:t>
+            </a:r>
+            <a:r>
+              <a:rPr lang="en-GB" dirty="0"/>
+              <a:t>, </a:t>
             </a:r>
           </a:p>
           <a:p>
@@ -3571,7 +3587,7 @@
             </a:r>
             <a:r>
               <a:rPr lang="en-GB" dirty="0"/>
-              <a:t>, commonly used in astrophotography to capture radiation</a:t>
+              <a:t> bands, commonly used in astrophotography to capture radiation</a:t>
             </a:r>
           </a:p>
           <a:p>
@@ -3632,10 +3648,10 @@
       </p:pic>
       <p:pic>
         <p:nvPicPr>
-          <p:cNvPr id="13" name="Picture 12">
-            <a:extLst>
-              <a:ext uri="{FF2B5EF4-FFF2-40B4-BE49-F238E27FC236}">
-                <a16:creationId xmlns:a16="http://schemas.microsoft.com/office/drawing/2014/main" id="{1A136013-D6A8-5110-34E9-D50AA58075CB}"/>
+          <p:cNvPr id="3" name="Picture 2">
+            <a:extLst>
+              <a:ext uri="{FF2B5EF4-FFF2-40B4-BE49-F238E27FC236}">
+                <a16:creationId xmlns:a16="http://schemas.microsoft.com/office/drawing/2014/main" id="{65E380C5-0583-CA5D-24DC-263903A8311A}"/>
               </a:ext>
             </a:extLst>
           </p:cNvPr>
@@ -3652,15 +3668,15 @@
               </a:ext>
             </a:extLst>
           </a:blip>
-          <a:srcRect t="31514" b="31686"/>
+          <a:srcRect t="28657" r="21467" b="28600"/>
           <a:stretch>
             <a:fillRect/>
           </a:stretch>
         </p:blipFill>
         <p:spPr>
           <a:xfrm>
-            <a:off x="602276" y="724205"/>
-            <a:ext cx="7488335" cy="1928992"/>
+            <a:off x="529124" y="431596"/>
+            <a:ext cx="7181097" cy="2735885"/>
           </a:xfrm>
           <a:prstGeom prst="rect">
             <a:avLst/>
